--- a/formulas.pptx
+++ b/formulas.pptx
@@ -3673,6 +3673,218 @@
                 <a:r>
                   <a:rPr/>
                   <a:t>(13)</a:t>
+                </a:r>
+              </a:p>
+              <a:p>
+                <a:pPr lvl="0" indent="0" marL="0">
+                  <a:buNone/>
+                </a:pPr>
+                <a:r>
+                  <a:rPr/>
+                  <a:t>Under the cash flow additivity principle, a risk-neutral investor would be indifferent between strategies 1 and 2 under the following condition:</a:t>
+                </a:r>
+              </a:p>
+              <a:p>
+                <a:pPr lvl="0" indent="0" marL="0">
+                  <a:buNone/>
+                </a:pPr>
+                <a14:m>
+                  <m:oMathPara xmlns:m="http://schemas.openxmlformats.org/officeDocument/2006/math">
+                    <m:oMathParaPr>
+                      <m:jc m:val="center"/>
+                    </m:oMathParaPr>
+                    <m:oMath>
+                      <m:r>
+                        <m:t>F</m:t>
+                      </m:r>
+                      <m:sSub>
+                        <m:e>
+                          <m:r>
+                            <m:t>V</m:t>
+                          </m:r>
+                        </m:e>
+                        <m:sub>
+                          <m:r>
+                            <m:t>2</m:t>
+                          </m:r>
+                        </m:sub>
+                      </m:sSub>
+                      <m:r>
+                        <m:rPr>
+                          <m:sty m:val="p"/>
+                        </m:rPr>
+                        <m:t>=</m:t>
+                      </m:r>
+                      <m:r>
+                        <m:t>P</m:t>
+                      </m:r>
+                      <m:sSub>
+                        <m:e>
+                          <m:r>
+                            <m:t>V</m:t>
+                          </m:r>
+                        </m:e>
+                        <m:sub>
+                          <m:r>
+                            <m:t>0</m:t>
+                          </m:r>
+                        </m:sub>
+                      </m:sSub>
+                      <m:r>
+                        <m:rPr>
+                          <m:sty m:val="p"/>
+                        </m:rPr>
+                        <m:t>×</m:t>
+                      </m:r>
+                      <m:sSup>
+                        <m:e>
+                          <m:d>
+                            <m:dPr>
+                              <m:begChr m:val="("/>
+                              <m:sepChr m:val=""/>
+                              <m:endChr m:val=")"/>
+                              <m:grow/>
+                            </m:dPr>
+                            <m:e>
+                              <m:r>
+                                <m:t>1</m:t>
+                              </m:r>
+                              <m:r>
+                                <m:rPr>
+                                  <m:sty m:val="p"/>
+                                </m:rPr>
+                                <m:t>+</m:t>
+                              </m:r>
+                              <m:sSub>
+                                <m:e>
+                                  <m:r>
+                                    <m:t>r</m:t>
+                                  </m:r>
+                                </m:e>
+                                <m:sub>
+                                  <m:r>
+                                    <m:t>2</m:t>
+                                  </m:r>
+                                </m:sub>
+                              </m:sSub>
+                            </m:e>
+                          </m:d>
+                        </m:e>
+                        <m:sup>
+                          <m:r>
+                            <m:t>2</m:t>
+                          </m:r>
+                        </m:sup>
+                      </m:sSup>
+                      <m:r>
+                        <m:rPr>
+                          <m:sty m:val="p"/>
+                        </m:rPr>
+                        <m:t>=</m:t>
+                      </m:r>
+                      <m:r>
+                        <m:t>P</m:t>
+                      </m:r>
+                      <m:sSub>
+                        <m:e>
+                          <m:r>
+                            <m:t>V</m:t>
+                          </m:r>
+                        </m:e>
+                        <m:sub>
+                          <m:r>
+                            <m:t>0</m:t>
+                          </m:r>
+                        </m:sub>
+                      </m:sSub>
+                      <m:r>
+                        <m:rPr>
+                          <m:sty m:val="p"/>
+                        </m:rPr>
+                        <m:t>×</m:t>
+                      </m:r>
+                      <m:d>
+                        <m:dPr>
+                          <m:begChr m:val="("/>
+                          <m:sepChr m:val=""/>
+                          <m:endChr m:val=")"/>
+                          <m:grow/>
+                        </m:dPr>
+                        <m:e>
+                          <m:r>
+                            <m:t>1</m:t>
+                          </m:r>
+                          <m:r>
+                            <m:rPr>
+                              <m:sty m:val="p"/>
+                            </m:rPr>
+                            <m:t>+</m:t>
+                          </m:r>
+                          <m:sSub>
+                            <m:e>
+                              <m:r>
+                                <m:t>r</m:t>
+                              </m:r>
+                            </m:e>
+                            <m:sub>
+                              <m:r>
+                                <m:t>1</m:t>
+                              </m:r>
+                            </m:sub>
+                          </m:sSub>
+                        </m:e>
+                      </m:d>
+                      <m:d>
+                        <m:dPr>
+                          <m:begChr m:val="("/>
+                          <m:sepChr m:val=""/>
+                          <m:endChr m:val=")"/>
+                          <m:grow/>
+                        </m:dPr>
+                        <m:e>
+                          <m:r>
+                            <m:t>1</m:t>
+                          </m:r>
+                          <m:r>
+                            <m:rPr>
+                              <m:sty m:val="p"/>
+                            </m:rPr>
+                            <m:t>+</m:t>
+                          </m:r>
+                          <m:sSub>
+                            <m:e>
+                              <m:r>
+                                <m:t>F</m:t>
+                              </m:r>
+                            </m:e>
+                            <m:sub>
+                              <m:r>
+                                <m:t>1</m:t>
+                              </m:r>
+                              <m:r>
+                                <m:rPr>
+                                  <m:sty m:val="p"/>
+                                </m:rPr>
+                                <m:t>,</m:t>
+                              </m:r>
+                              <m:r>
+                                <m:t>1</m:t>
+                              </m:r>
+                            </m:sub>
+                          </m:sSub>
+                        </m:e>
+                      </m:d>
+                    </m:oMath>
+                  </m:oMathPara>
+                </a14:m>
+              </a:p>
+              <a:p>
+                <a:pPr lvl="0" indent="0" marL="0">
+                  <a:buNone/>
+                </a:pPr>
+                <a:r>
+                  <a:rPr/>
+                  <a:t>(25)</a:t>
                 </a:r>
               </a:p>
             </p:txBody>

--- a/formulas.pptx
+++ b/formulas.pptx
@@ -3673,218 +3673,6 @@
                 <a:r>
                   <a:rPr/>
                   <a:t>(13)</a:t>
-                </a:r>
-              </a:p>
-              <a:p>
-                <a:pPr lvl="0" indent="0" marL="0">
-                  <a:buNone/>
-                </a:pPr>
-                <a:r>
-                  <a:rPr/>
-                  <a:t>Under the cash flow additivity principle, a risk-neutral investor would be indifferent between strategies 1 and 2 under the following condition:</a:t>
-                </a:r>
-              </a:p>
-              <a:p>
-                <a:pPr lvl="0" indent="0" marL="0">
-                  <a:buNone/>
-                </a:pPr>
-                <a14:m>
-                  <m:oMathPara xmlns:m="http://schemas.openxmlformats.org/officeDocument/2006/math">
-                    <m:oMathParaPr>
-                      <m:jc m:val="center"/>
-                    </m:oMathParaPr>
-                    <m:oMath>
-                      <m:r>
-                        <m:t>F</m:t>
-                      </m:r>
-                      <m:sSub>
-                        <m:e>
-                          <m:r>
-                            <m:t>V</m:t>
-                          </m:r>
-                        </m:e>
-                        <m:sub>
-                          <m:r>
-                            <m:t>2</m:t>
-                          </m:r>
-                        </m:sub>
-                      </m:sSub>
-                      <m:r>
-                        <m:rPr>
-                          <m:sty m:val="p"/>
-                        </m:rPr>
-                        <m:t>=</m:t>
-                      </m:r>
-                      <m:r>
-                        <m:t>P</m:t>
-                      </m:r>
-                      <m:sSub>
-                        <m:e>
-                          <m:r>
-                            <m:t>V</m:t>
-                          </m:r>
-                        </m:e>
-                        <m:sub>
-                          <m:r>
-                            <m:t>0</m:t>
-                          </m:r>
-                        </m:sub>
-                      </m:sSub>
-                      <m:r>
-                        <m:rPr>
-                          <m:sty m:val="p"/>
-                        </m:rPr>
-                        <m:t>×</m:t>
-                      </m:r>
-                      <m:sSup>
-                        <m:e>
-                          <m:d>
-                            <m:dPr>
-                              <m:begChr m:val="("/>
-                              <m:sepChr m:val=""/>
-                              <m:endChr m:val=")"/>
-                              <m:grow/>
-                            </m:dPr>
-                            <m:e>
-                              <m:r>
-                                <m:t>1</m:t>
-                              </m:r>
-                              <m:r>
-                                <m:rPr>
-                                  <m:sty m:val="p"/>
-                                </m:rPr>
-                                <m:t>+</m:t>
-                              </m:r>
-                              <m:sSub>
-                                <m:e>
-                                  <m:r>
-                                    <m:t>r</m:t>
-                                  </m:r>
-                                </m:e>
-                                <m:sub>
-                                  <m:r>
-                                    <m:t>2</m:t>
-                                  </m:r>
-                                </m:sub>
-                              </m:sSub>
-                            </m:e>
-                          </m:d>
-                        </m:e>
-                        <m:sup>
-                          <m:r>
-                            <m:t>2</m:t>
-                          </m:r>
-                        </m:sup>
-                      </m:sSup>
-                      <m:r>
-                        <m:rPr>
-                          <m:sty m:val="p"/>
-                        </m:rPr>
-                        <m:t>=</m:t>
-                      </m:r>
-                      <m:r>
-                        <m:t>P</m:t>
-                      </m:r>
-                      <m:sSub>
-                        <m:e>
-                          <m:r>
-                            <m:t>V</m:t>
-                          </m:r>
-                        </m:e>
-                        <m:sub>
-                          <m:r>
-                            <m:t>0</m:t>
-                          </m:r>
-                        </m:sub>
-                      </m:sSub>
-                      <m:r>
-                        <m:rPr>
-                          <m:sty m:val="p"/>
-                        </m:rPr>
-                        <m:t>×</m:t>
-                      </m:r>
-                      <m:d>
-                        <m:dPr>
-                          <m:begChr m:val="("/>
-                          <m:sepChr m:val=""/>
-                          <m:endChr m:val=")"/>
-                          <m:grow/>
-                        </m:dPr>
-                        <m:e>
-                          <m:r>
-                            <m:t>1</m:t>
-                          </m:r>
-                          <m:r>
-                            <m:rPr>
-                              <m:sty m:val="p"/>
-                            </m:rPr>
-                            <m:t>+</m:t>
-                          </m:r>
-                          <m:sSub>
-                            <m:e>
-                              <m:r>
-                                <m:t>r</m:t>
-                              </m:r>
-                            </m:e>
-                            <m:sub>
-                              <m:r>
-                                <m:t>1</m:t>
-                              </m:r>
-                            </m:sub>
-                          </m:sSub>
-                        </m:e>
-                      </m:d>
-                      <m:d>
-                        <m:dPr>
-                          <m:begChr m:val="("/>
-                          <m:sepChr m:val=""/>
-                          <m:endChr m:val=")"/>
-                          <m:grow/>
-                        </m:dPr>
-                        <m:e>
-                          <m:r>
-                            <m:t>1</m:t>
-                          </m:r>
-                          <m:r>
-                            <m:rPr>
-                              <m:sty m:val="p"/>
-                            </m:rPr>
-                            <m:t>+</m:t>
-                          </m:r>
-                          <m:sSub>
-                            <m:e>
-                              <m:r>
-                                <m:t>F</m:t>
-                              </m:r>
-                            </m:e>
-                            <m:sub>
-                              <m:r>
-                                <m:t>1</m:t>
-                              </m:r>
-                              <m:r>
-                                <m:rPr>
-                                  <m:sty m:val="p"/>
-                                </m:rPr>
-                                <m:t>,</m:t>
-                              </m:r>
-                              <m:r>
-                                <m:t>1</m:t>
-                              </m:r>
-                            </m:sub>
-                          </m:sSub>
-                        </m:e>
-                      </m:d>
-                    </m:oMath>
-                  </m:oMathPara>
-                </a14:m>
-              </a:p>
-              <a:p>
-                <a:pPr lvl="0" indent="0" marL="0">
-                  <a:buNone/>
-                </a:pPr>
-                <a:r>
-                  <a:rPr/>
-                  <a:t>(25)</a:t>
                 </a:r>
               </a:p>
             </p:txBody>

--- a/formulas.pptx
+++ b/formulas.pptx
@@ -3673,6 +3673,891 @@
                 <a:r>
                   <a:rPr/>
                   <a:t>(13)</a:t>
+                </a:r>
+              </a:p>
+              <a:p>
+                <a:pPr lvl="0" indent="0" marL="0">
+                  <a:buNone/>
+                </a:pPr>
+                <a:r>
+                  <a:rPr/>
+                  <a:t>The example in Exhibit 6 shows a company with an initial higher short-term dividend growth of </a:t>
+                </a:r>
+                <a14:m>
+                  <m:oMath xmlns:m="http://schemas.openxmlformats.org/officeDocument/2006/math">
+                    <m:sSub>
+                      <m:e>
+                        <m:r>
+                          <m:t>g</m:t>
+                        </m:r>
+                      </m:e>
+                      <m:sub>
+                        <m:r>
+                          <m:t>s</m:t>
+                        </m:r>
+                      </m:sub>
+                    </m:sSub>
+                  </m:oMath>
+                </a14:m>
+                <a:r>
+                  <a:rPr/>
+                  <a:t> for the first three years, followed by lower long-term growth </a:t>
+                </a:r>
+                <a14:m>
+                  <m:oMath xmlns:m="http://schemas.openxmlformats.org/officeDocument/2006/math">
+                    <m:d>
+                      <m:dPr>
+                        <m:begChr m:val="("/>
+                        <m:sepChr m:val=""/>
+                        <m:endChr m:val=")"/>
+                        <m:grow/>
+                      </m:dPr>
+                      <m:e>
+                        <m:sSub>
+                          <m:e>
+                            <m:r>
+                              <m:t>g</m:t>
+                            </m:r>
+                          </m:e>
+                          <m:sub>
+                            <m:r>
+                              <m:t>l</m:t>
+                            </m:r>
+                          </m:sub>
+                        </m:sSub>
+                        <m:r>
+                          <m:rPr>
+                            <m:nor/>
+                            <m:sty m:val="p"/>
+                          </m:rPr>
+                          <m:t>, where </m:t>
+                        </m:r>
+                        <m:sSub>
+                          <m:e>
+                            <m:r>
+                              <m:t>g</m:t>
+                            </m:r>
+                          </m:e>
+                          <m:sub>
+                            <m:r>
+                              <m:t>s</m:t>
+                            </m:r>
+                          </m:sub>
+                        </m:sSub>
+                        <m:r>
+                          <m:rPr>
+                            <m:sty m:val="p"/>
+                          </m:rPr>
+                          <m:t>&gt;</m:t>
+                        </m:r>
+                        <m:sSub>
+                          <m:e>
+                            <m:r>
+                              <m:t>g</m:t>
+                            </m:r>
+                          </m:e>
+                          <m:sub>
+                            <m:r>
+                              <m:t>l</m:t>
+                            </m:r>
+                          </m:sub>
+                        </m:sSub>
+                      </m:e>
+                    </m:d>
+                  </m:oMath>
+                </a14:m>
+                <a:r>
+                  <a:rPr/>
+                  <a:t> indefinitely thereafter. If we generalize the initial growth phase to </a:t>
+                </a:r>
+                <a14:m>
+                  <m:oMath xmlns:m="http://schemas.openxmlformats.org/officeDocument/2006/math">
+                    <m:r>
+                      <m:t>n</m:t>
+                    </m:r>
+                  </m:oMath>
+                </a14:m>
+                <a:r>
+                  <a:rPr/>
+                  <a:t> periods followed by indefinite slower growth at </a:t>
+                </a:r>
+                <a14:m>
+                  <m:oMath xmlns:m="http://schemas.openxmlformats.org/officeDocument/2006/math">
+                    <m:sSub>
+                      <m:e>
+                        <m:r>
+                          <m:t>g</m:t>
+                        </m:r>
+                      </m:e>
+                      <m:sub>
+                        <m:r>
+                          <m:t>l</m:t>
+                        </m:r>
+                      </m:sub>
+                    </m:sSub>
+                  </m:oMath>
+                </a14:m>
+                <a:r>
+                  <a:rPr/>
+                  <a:t>, we obtain a modified version of Equation 14 as follows:</a:t>
+                </a:r>
+              </a:p>
+              <a:p>
+                <a:pPr lvl="0" indent="0" marL="0">
+                  <a:buNone/>
+                </a:pPr>
+                <a14:m>
+                  <m:oMathPara xmlns:m="http://schemas.openxmlformats.org/officeDocument/2006/math">
+                    <m:oMathParaPr>
+                      <m:jc m:val="center"/>
+                    </m:oMathParaPr>
+                    <m:oMath>
+                      <m:r>
+                        <m:t>P</m:t>
+                      </m:r>
+                      <m:sSub>
+                        <m:e>
+                          <m:r>
+                            <m:t>V</m:t>
+                          </m:r>
+                        </m:e>
+                        <m:sub>
+                          <m:r>
+                            <m:t>t</m:t>
+                          </m:r>
+                        </m:sub>
+                      </m:sSub>
+                      <m:r>
+                        <m:rPr>
+                          <m:sty m:val="p"/>
+                        </m:rPr>
+                        <m:t>=</m:t>
+                      </m:r>
+                      <m:nary>
+                        <m:naryPr>
+                          <m:chr m:val="∑"/>
+                          <m:limLoc m:val="subSup"/>
+                          <m:subHide m:val="off"/>
+                          <m:supHide m:val="off"/>
+                        </m:naryPr>
+                        <m:sub>
+                          <m:r>
+                            <m:t>i</m:t>
+                          </m:r>
+                          <m:r>
+                            <m:rPr>
+                              <m:sty m:val="p"/>
+                            </m:rPr>
+                            <m:t>=</m:t>
+                          </m:r>
+                          <m:r>
+                            <m:t>1</m:t>
+                          </m:r>
+                        </m:sub>
+                        <m:sup>
+                          <m:r>
+                            <m:t>n</m:t>
+                          </m:r>
+                        </m:sup>
+                        <m:e>
+                          <m:f>
+                            <m:fPr>
+                              <m:type m:val="bar"/>
+                            </m:fPr>
+                            <m:num>
+                              <m:sSub>
+                                <m:e>
+                                  <m:r>
+                                    <m:t>D</m:t>
+                                  </m:r>
+                                </m:e>
+                                <m:sub>
+                                  <m:r>
+                                    <m:t>t</m:t>
+                                  </m:r>
+                                </m:sub>
+                              </m:sSub>
+                              <m:sSup>
+                                <m:e>
+                                  <m:d>
+                                    <m:dPr>
+                                      <m:begChr m:val="("/>
+                                      <m:sepChr m:val=""/>
+                                      <m:endChr m:val=")"/>
+                                      <m:grow/>
+                                    </m:dPr>
+                                    <m:e>
+                                      <m:r>
+                                        <m:t>1</m:t>
+                                      </m:r>
+                                      <m:r>
+                                        <m:rPr>
+                                          <m:sty m:val="p"/>
+                                        </m:rPr>
+                                        <m:t>+</m:t>
+                                      </m:r>
+                                      <m:sSub>
+                                        <m:e>
+                                          <m:r>
+                                            <m:t>g</m:t>
+                                          </m:r>
+                                        </m:e>
+                                        <m:sub>
+                                          <m:r>
+                                            <m:t>s</m:t>
+                                          </m:r>
+                                        </m:sub>
+                                      </m:sSub>
+                                    </m:e>
+                                  </m:d>
+                                </m:e>
+                                <m:sup>
+                                  <m:r>
+                                    <m:t>i</m:t>
+                                  </m:r>
+                                </m:sup>
+                              </m:sSup>
+                            </m:num>
+                            <m:den>
+                              <m:sSup>
+                                <m:e>
+                                  <m:d>
+                                    <m:dPr>
+                                      <m:begChr m:val="("/>
+                                      <m:sepChr m:val=""/>
+                                      <m:endChr m:val=")"/>
+                                      <m:grow/>
+                                    </m:dPr>
+                                    <m:e>
+                                      <m:r>
+                                        <m:t>1</m:t>
+                                      </m:r>
+                                      <m:r>
+                                        <m:rPr>
+                                          <m:sty m:val="p"/>
+                                        </m:rPr>
+                                        <m:t>+</m:t>
+                                      </m:r>
+                                      <m:r>
+                                        <m:t>r</m:t>
+                                      </m:r>
+                                    </m:e>
+                                  </m:d>
+                                </m:e>
+                                <m:sup>
+                                  <m:r>
+                                    <m:t>i</m:t>
+                                  </m:r>
+                                </m:sup>
+                              </m:sSup>
+                            </m:den>
+                          </m:f>
+                        </m:e>
+                      </m:nary>
+                      <m:r>
+                        <m:rPr>
+                          <m:sty m:val="p"/>
+                        </m:rPr>
+                        <m:t>+</m:t>
+                      </m:r>
+                      <m:nary>
+                        <m:naryPr>
+                          <m:chr m:val="∑"/>
+                          <m:limLoc m:val="subSup"/>
+                          <m:subHide m:val="off"/>
+                          <m:supHide m:val="off"/>
+                        </m:naryPr>
+                        <m:sub>
+                          <m:r>
+                            <m:t>j</m:t>
+                          </m:r>
+                          <m:r>
+                            <m:rPr>
+                              <m:sty m:val="p"/>
+                            </m:rPr>
+                            <m:t>=</m:t>
+                          </m:r>
+                          <m:r>
+                            <m:t>n</m:t>
+                          </m:r>
+                          <m:r>
+                            <m:rPr>
+                              <m:sty m:val="p"/>
+                            </m:rPr>
+                            <m:t>+</m:t>
+                          </m:r>
+                          <m:r>
+                            <m:t>1</m:t>
+                          </m:r>
+                        </m:sub>
+                        <m:sup>
+                          <m:r>
+                            <m:rPr>
+                              <m:sty m:val="p"/>
+                            </m:rPr>
+                            <m:t>∞</m:t>
+                          </m:r>
+                        </m:sup>
+                        <m:e>
+                          <m:f>
+                            <m:fPr>
+                              <m:type m:val="bar"/>
+                            </m:fPr>
+                            <m:num>
+                              <m:sSub>
+                                <m:e>
+                                  <m:r>
+                                    <m:t>D</m:t>
+                                  </m:r>
+                                </m:e>
+                                <m:sub>
+                                  <m:r>
+                                    <m:t>t</m:t>
+                                  </m:r>
+                                  <m:r>
+                                    <m:rPr>
+                                      <m:sty m:val="p"/>
+                                    </m:rPr>
+                                    <m:t>+</m:t>
+                                  </m:r>
+                                  <m:r>
+                                    <m:t>n</m:t>
+                                  </m:r>
+                                </m:sub>
+                              </m:sSub>
+                              <m:sSup>
+                                <m:e>
+                                  <m:d>
+                                    <m:dPr>
+                                      <m:begChr m:val="("/>
+                                      <m:sepChr m:val=""/>
+                                      <m:endChr m:val=")"/>
+                                      <m:grow/>
+                                    </m:dPr>
+                                    <m:e>
+                                      <m:r>
+                                        <m:t>1</m:t>
+                                      </m:r>
+                                      <m:r>
+                                        <m:rPr>
+                                          <m:sty m:val="p"/>
+                                        </m:rPr>
+                                        <m:t>+</m:t>
+                                      </m:r>
+                                      <m:sSub>
+                                        <m:e>
+                                          <m:r>
+                                            <m:t>g</m:t>
+                                          </m:r>
+                                        </m:e>
+                                        <m:sub>
+                                          <m:r>
+                                            <m:t>l</m:t>
+                                          </m:r>
+                                        </m:sub>
+                                      </m:sSub>
+                                    </m:e>
+                                  </m:d>
+                                </m:e>
+                                <m:sup>
+                                  <m:r>
+                                    <m:t>j</m:t>
+                                  </m:r>
+                                </m:sup>
+                              </m:sSup>
+                            </m:num>
+                            <m:den>
+                              <m:sSup>
+                                <m:e>
+                                  <m:d>
+                                    <m:dPr>
+                                      <m:begChr m:val="("/>
+                                      <m:sepChr m:val=""/>
+                                      <m:endChr m:val=")"/>
+                                      <m:grow/>
+                                    </m:dPr>
+                                    <m:e>
+                                      <m:r>
+                                        <m:t>1</m:t>
+                                      </m:r>
+                                      <m:r>
+                                        <m:rPr>
+                                          <m:sty m:val="p"/>
+                                        </m:rPr>
+                                        <m:t>+</m:t>
+                                      </m:r>
+                                      <m:r>
+                                        <m:t>r</m:t>
+                                      </m:r>
+                                    </m:e>
+                                  </m:d>
+                                </m:e>
+                                <m:sup>
+                                  <m:r>
+                                    <m:t>j</m:t>
+                                  </m:r>
+                                </m:sup>
+                              </m:sSup>
+                            </m:den>
+                          </m:f>
+                        </m:e>
+                      </m:nary>
+                    </m:oMath>
+                  </m:oMathPara>
+                </a14:m>
+              </a:p>
+              <a:p>
+                <a:pPr lvl="0" indent="0" marL="0">
+                  <a:buNone/>
+                </a:pPr>
+                <a:r>
+                  <a:rPr/>
+                  <a:t>(15)</a:t>
+                </a:r>
+              </a:p>
+              <a:p>
+                <a:pPr lvl="0" indent="0" marL="0">
+                  <a:buNone/>
+                </a:pPr>
+                <a:r>
+                  <a:rPr/>
+                  <a:t>Note that the second expression in Equation 15 involves constant growth starting in </a:t>
+                </a:r>
+                <a14:m>
+                  <m:oMath xmlns:m="http://schemas.openxmlformats.org/officeDocument/2006/math">
+                    <m:r>
+                      <m:t>n</m:t>
+                    </m:r>
+                  </m:oMath>
+                </a14:m>
+                <a:r>
+                  <a:rPr/>
+                  <a:t> periods, for which we can substitute the geometric series simplification:</a:t>
+                </a:r>
+              </a:p>
+              <a:p>
+                <a:pPr lvl="0" indent="0" marL="0">
+                  <a:buNone/>
+                </a:pPr>
+                <a14:m>
+                  <m:oMathPara xmlns:m="http://schemas.openxmlformats.org/officeDocument/2006/math">
+                    <m:oMathParaPr>
+                      <m:jc m:val="center"/>
+                    </m:oMathParaPr>
+                    <m:oMath>
+                      <m:r>
+                        <m:t>P</m:t>
+                      </m:r>
+                      <m:sSub>
+                        <m:e>
+                          <m:r>
+                            <m:t>V</m:t>
+                          </m:r>
+                        </m:e>
+                        <m:sub>
+                          <m:r>
+                            <m:t>t</m:t>
+                          </m:r>
+                        </m:sub>
+                      </m:sSub>
+                      <m:r>
+                        <m:rPr>
+                          <m:sty m:val="p"/>
+                        </m:rPr>
+                        <m:t>=</m:t>
+                      </m:r>
+                      <m:nary>
+                        <m:naryPr>
+                          <m:chr m:val="∑"/>
+                          <m:limLoc m:val="subSup"/>
+                          <m:subHide m:val="off"/>
+                          <m:supHide m:val="off"/>
+                        </m:naryPr>
+                        <m:sub>
+                          <m:r>
+                            <m:t>i</m:t>
+                          </m:r>
+                          <m:r>
+                            <m:rPr>
+                              <m:sty m:val="p"/>
+                            </m:rPr>
+                            <m:t>=</m:t>
+                          </m:r>
+                          <m:r>
+                            <m:t>1</m:t>
+                          </m:r>
+                        </m:sub>
+                        <m:sup>
+                          <m:r>
+                            <m:t>n</m:t>
+                          </m:r>
+                        </m:sup>
+                        <m:e>
+                          <m:f>
+                            <m:fPr>
+                              <m:type m:val="bar"/>
+                            </m:fPr>
+                            <m:num>
+                              <m:sSub>
+                                <m:e>
+                                  <m:r>
+                                    <m:t>D</m:t>
+                                  </m:r>
+                                </m:e>
+                                <m:sub>
+                                  <m:r>
+                                    <m:t>t</m:t>
+                                  </m:r>
+                                </m:sub>
+                              </m:sSub>
+                              <m:sSup>
+                                <m:e>
+                                  <m:d>
+                                    <m:dPr>
+                                      <m:begChr m:val="("/>
+                                      <m:sepChr m:val=""/>
+                                      <m:endChr m:val=")"/>
+                                      <m:grow/>
+                                    </m:dPr>
+                                    <m:e>
+                                      <m:r>
+                                        <m:t>1</m:t>
+                                      </m:r>
+                                      <m:r>
+                                        <m:rPr>
+                                          <m:sty m:val="p"/>
+                                        </m:rPr>
+                                        <m:t>+</m:t>
+                                      </m:r>
+                                      <m:sSub>
+                                        <m:e>
+                                          <m:r>
+                                            <m:t>g</m:t>
+                                          </m:r>
+                                        </m:e>
+                                        <m:sub>
+                                          <m:r>
+                                            <m:t>s</m:t>
+                                          </m:r>
+                                        </m:sub>
+                                      </m:sSub>
+                                    </m:e>
+                                  </m:d>
+                                </m:e>
+                                <m:sup>
+                                  <m:r>
+                                    <m:t>i</m:t>
+                                  </m:r>
+                                </m:sup>
+                              </m:sSup>
+                            </m:num>
+                            <m:den>
+                              <m:sSup>
+                                <m:e>
+                                  <m:d>
+                                    <m:dPr>
+                                      <m:begChr m:val="("/>
+                                      <m:sepChr m:val=""/>
+                                      <m:endChr m:val=")"/>
+                                      <m:grow/>
+                                    </m:dPr>
+                                    <m:e>
+                                      <m:r>
+                                        <m:t>1</m:t>
+                                      </m:r>
+                                      <m:r>
+                                        <m:rPr>
+                                          <m:sty m:val="p"/>
+                                        </m:rPr>
+                                        <m:t>+</m:t>
+                                      </m:r>
+                                      <m:r>
+                                        <m:t>r</m:t>
+                                      </m:r>
+                                    </m:e>
+                                  </m:d>
+                                </m:e>
+                                <m:sup>
+                                  <m:r>
+                                    <m:t>i</m:t>
+                                  </m:r>
+                                </m:sup>
+                              </m:sSup>
+                            </m:den>
+                          </m:f>
+                        </m:e>
+                      </m:nary>
+                      <m:r>
+                        <m:rPr>
+                          <m:sty m:val="p"/>
+                        </m:rPr>
+                        <m:t>+</m:t>
+                      </m:r>
+                      <m:f>
+                        <m:fPr>
+                          <m:type m:val="bar"/>
+                        </m:fPr>
+                        <m:num>
+                          <m:r>
+                            <m:t>E</m:t>
+                          </m:r>
+                          <m:d>
+                            <m:dPr>
+                              <m:begChr m:val="("/>
+                              <m:sepChr m:val=""/>
+                              <m:endChr m:val=")"/>
+                              <m:grow/>
+                            </m:dPr>
+                            <m:e>
+                              <m:sSub>
+                                <m:e>
+                                  <m:r>
+                                    <m:t>S</m:t>
+                                  </m:r>
+                                </m:e>
+                                <m:sub>
+                                  <m:r>
+                                    <m:t>t</m:t>
+                                  </m:r>
+                                  <m:r>
+                                    <m:rPr>
+                                      <m:sty m:val="p"/>
+                                    </m:rPr>
+                                    <m:t>+</m:t>
+                                  </m:r>
+                                  <m:r>
+                                    <m:t>n</m:t>
+                                  </m:r>
+                                </m:sub>
+                              </m:sSub>
+                            </m:e>
+                          </m:d>
+                        </m:num>
+                        <m:den>
+                          <m:sSup>
+                            <m:e>
+                              <m:d>
+                                <m:dPr>
+                                  <m:begChr m:val="("/>
+                                  <m:sepChr m:val=""/>
+                                  <m:endChr m:val=")"/>
+                                  <m:grow/>
+                                </m:dPr>
+                                <m:e>
+                                  <m:r>
+                                    <m:t>1</m:t>
+                                  </m:r>
+                                  <m:r>
+                                    <m:rPr>
+                                      <m:sty m:val="p"/>
+                                    </m:rPr>
+                                    <m:t>+</m:t>
+                                  </m:r>
+                                  <m:r>
+                                    <m:t>r</m:t>
+                                  </m:r>
+                                </m:e>
+                              </m:d>
+                            </m:e>
+                            <m:sup>
+                              <m:r>
+                                <m:t>n</m:t>
+                              </m:r>
+                            </m:sup>
+                          </m:sSup>
+                        </m:den>
+                      </m:f>
+                    </m:oMath>
+                  </m:oMathPara>
+                </a14:m>
+              </a:p>
+              <a:p>
+                <a:pPr lvl="0" indent="0" marL="0">
+                  <a:buNone/>
+                </a:pPr>
+                <a:r>
+                  <a:rPr/>
+                  <a:t>(16)</a:t>
+                </a:r>
+              </a:p>
+              <a:p>
+                <a:pPr lvl="0" indent="0" marL="0">
+                  <a:buNone/>
+                </a:pPr>
+                <a:r>
+                  <a:rPr/>
+                  <a:t>where the stock value of the stock in n periods </a:t>
+                </a:r>
+                <a14:m>
+                  <m:oMath xmlns:m="http://schemas.openxmlformats.org/officeDocument/2006/math">
+                    <m:r>
+                      <m:rPr>
+                        <m:sty m:val="p"/>
+                      </m:rPr>
+                      <m:t>(</m:t>
+                    </m:r>
+                    <m:r>
+                      <m:t>E</m:t>
+                    </m:r>
+                    <m:d>
+                      <m:dPr>
+                        <m:begChr m:val="("/>
+                        <m:sepChr m:val=""/>
+                        <m:endChr m:val=")"/>
+                        <m:grow/>
+                      </m:dPr>
+                      <m:e>
+                        <m:sSub>
+                          <m:e>
+                            <m:r>
+                              <m:t>S</m:t>
+                            </m:r>
+                          </m:e>
+                          <m:sub>
+                            <m:r>
+                              <m:t>t</m:t>
+                            </m:r>
+                            <m:r>
+                              <m:rPr>
+                                <m:sty m:val="p"/>
+                              </m:rPr>
+                              <m:t>+</m:t>
+                            </m:r>
+                            <m:r>
+                              <m:t>n</m:t>
+                            </m:r>
+                          </m:sub>
+                        </m:sSub>
+                      </m:e>
+                    </m:d>
+                  </m:oMath>
+                </a14:m>
+                <a:r>
+                  <a:rPr/>
+                  <a:t> is referred to as the terminal value) and is equal to the following:</a:t>
+                </a:r>
+              </a:p>
+              <a:p>
+                <a:pPr lvl="0" indent="0" marL="0">
+                  <a:buNone/>
+                </a:pPr>
+                <a14:m>
+                  <m:oMathPara xmlns:m="http://schemas.openxmlformats.org/officeDocument/2006/math">
+                    <m:oMathParaPr>
+                      <m:jc m:val="center"/>
+                    </m:oMathParaPr>
+                    <m:oMath>
+                      <m:r>
+                        <m:t>E</m:t>
+                      </m:r>
+                      <m:d>
+                        <m:dPr>
+                          <m:begChr m:val="("/>
+                          <m:sepChr m:val=""/>
+                          <m:endChr m:val=")"/>
+                          <m:grow/>
+                        </m:dPr>
+                        <m:e>
+                          <m:sSub>
+                            <m:e>
+                              <m:r>
+                                <m:t>S</m:t>
+                              </m:r>
+                            </m:e>
+                            <m:sub>
+                              <m:r>
+                                <m:t>t</m:t>
+                              </m:r>
+                              <m:r>
+                                <m:rPr>
+                                  <m:sty m:val="p"/>
+                                </m:rPr>
+                                <m:t>+</m:t>
+                              </m:r>
+                              <m:r>
+                                <m:t>n</m:t>
+                              </m:r>
+                            </m:sub>
+                          </m:sSub>
+                        </m:e>
+                      </m:d>
+                      <m:r>
+                        <m:rPr>
+                          <m:sty m:val="p"/>
+                        </m:rPr>
+                        <m:t>=</m:t>
+                      </m:r>
+                      <m:f>
+                        <m:fPr>
+                          <m:type m:val="bar"/>
+                        </m:fPr>
+                        <m:num>
+                          <m:sSub>
+                            <m:e>
+                              <m:r>
+                                <m:t>D</m:t>
+                              </m:r>
+                            </m:e>
+                            <m:sub>
+                              <m:r>
+                                <m:t>t</m:t>
+                              </m:r>
+                              <m:r>
+                                <m:rPr>
+                                  <m:sty m:val="p"/>
+                                </m:rPr>
+                                <m:t>+</m:t>
+                              </m:r>
+                              <m:r>
+                                <m:t>n</m:t>
+                              </m:r>
+                              <m:r>
+                                <m:rPr>
+                                  <m:sty m:val="p"/>
+                                </m:rPr>
+                                <m:t>+</m:t>
+                              </m:r>
+                              <m:r>
+                                <m:t>1</m:t>
+                              </m:r>
+                            </m:sub>
+                          </m:sSub>
+                        </m:num>
+                        <m:den>
+                          <m:r>
+                            <m:t>r</m:t>
+                          </m:r>
+                          <m:r>
+                            <m:rPr>
+                              <m:sty m:val="p"/>
+                            </m:rPr>
+                            <m:t>−</m:t>
+                          </m:r>
+                          <m:sSub>
+                            <m:e>
+                              <m:r>
+                                <m:t>g</m:t>
+                              </m:r>
+                            </m:e>
+                            <m:sub>
+                              <m:r>
+                                <m:t>l</m:t>
+                              </m:r>
+                            </m:sub>
+                          </m:sSub>
+                        </m:den>
+                      </m:f>
+                    </m:oMath>
+                  </m:oMathPara>
+                </a14:m>
+              </a:p>
+              <a:p>
+                <a:pPr lvl="0" indent="0" marL="0">
+                  <a:buNone/>
+                </a:pPr>
+                <a:r>
+                  <a:rPr/>
+                  <a:t>(17)</a:t>
                 </a:r>
               </a:p>
             </p:txBody>

--- a/formulas.pptx
+++ b/formulas.pptx
@@ -3681,7 +3681,125 @@
                 </a:pPr>
                 <a:r>
                   <a:rPr/>
-                  <a:t>Under the cash flow additivity principle, a risk-neutral investor would be indifferent between strategies 1 and 2 under the following condition:</a:t>
+                  <a:t>The example in Exhibit 6 shows a company with an initial higher short-term dividend growth of </a:t>
+                </a:r>
+                <a14:m>
+                  <m:oMath xmlns:m="http://schemas.openxmlformats.org/officeDocument/2006/math">
+                    <m:sSub>
+                      <m:e>
+                        <m:r>
+                          <m:t>g</m:t>
+                        </m:r>
+                      </m:e>
+                      <m:sub>
+                        <m:r>
+                          <m:t>s</m:t>
+                        </m:r>
+                      </m:sub>
+                    </m:sSub>
+                  </m:oMath>
+                </a14:m>
+                <a:r>
+                  <a:rPr/>
+                  <a:t> for the first three years, followed by lower long-term growth </a:t>
+                </a:r>
+                <a14:m>
+                  <m:oMath xmlns:m="http://schemas.openxmlformats.org/officeDocument/2006/math">
+                    <m:d>
+                      <m:dPr>
+                        <m:begChr m:val="("/>
+                        <m:sepChr m:val=""/>
+                        <m:endChr m:val=")"/>
+                        <m:grow/>
+                      </m:dPr>
+                      <m:e>
+                        <m:sSub>
+                          <m:e>
+                            <m:r>
+                              <m:t>g</m:t>
+                            </m:r>
+                          </m:e>
+                          <m:sub>
+                            <m:r>
+                              <m:t>l</m:t>
+                            </m:r>
+                          </m:sub>
+                        </m:sSub>
+                        <m:r>
+                          <m:rPr>
+                            <m:nor/>
+                            <m:sty m:val="p"/>
+                          </m:rPr>
+                          <m:t>, where </m:t>
+                        </m:r>
+                        <m:sSub>
+                          <m:e>
+                            <m:r>
+                              <m:t>g</m:t>
+                            </m:r>
+                          </m:e>
+                          <m:sub>
+                            <m:r>
+                              <m:t>s</m:t>
+                            </m:r>
+                          </m:sub>
+                        </m:sSub>
+                        <m:r>
+                          <m:rPr>
+                            <m:sty m:val="p"/>
+                          </m:rPr>
+                          <m:t>&gt;</m:t>
+                        </m:r>
+                        <m:sSub>
+                          <m:e>
+                            <m:r>
+                              <m:t>g</m:t>
+                            </m:r>
+                          </m:e>
+                          <m:sub>
+                            <m:r>
+                              <m:t>l</m:t>
+                            </m:r>
+                          </m:sub>
+                        </m:sSub>
+                      </m:e>
+                    </m:d>
+                  </m:oMath>
+                </a14:m>
+                <a:r>
+                  <a:rPr/>
+                  <a:t> indefinitely thereafter. If we generalize the initial growth phase to </a:t>
+                </a:r>
+                <a14:m>
+                  <m:oMath xmlns:m="http://schemas.openxmlformats.org/officeDocument/2006/math">
+                    <m:r>
+                      <m:t>n</m:t>
+                    </m:r>
+                  </m:oMath>
+                </a14:m>
+                <a:r>
+                  <a:rPr/>
+                  <a:t> periods followed by indefinite slower growth at </a:t>
+                </a:r>
+                <a14:m>
+                  <m:oMath xmlns:m="http://schemas.openxmlformats.org/officeDocument/2006/math">
+                    <m:sSub>
+                      <m:e>
+                        <m:r>
+                          <m:t>g</m:t>
+                        </m:r>
+                      </m:e>
+                      <m:sub>
+                        <m:r>
+                          <m:t>l</m:t>
+                        </m:r>
+                      </m:sub>
+                    </m:sSub>
+                  </m:oMath>
+                </a14:m>
+                <a:r>
+                  <a:rPr/>
+                  <a:t>, we obtain a modified version of Equation 14 as follows:</a:t>
                 </a:r>
               </a:p>
               <a:p>
@@ -3695,7 +3813,7 @@
                     </m:oMathParaPr>
                     <m:oMath>
                       <m:r>
-                        <m:t>F</m:t>
+                        <m:t>P</m:t>
                       </m:r>
                       <m:sSub>
                         <m:e>
@@ -3705,7 +3823,7 @@
                         </m:e>
                         <m:sub>
                           <m:r>
-                            <m:t>2</m:t>
+                            <m:t>t</m:t>
                           </m:r>
                         </m:sub>
                       </m:sSub>
@@ -3715,6 +3833,318 @@
                         </m:rPr>
                         <m:t>=</m:t>
                       </m:r>
+                      <m:nary>
+                        <m:naryPr>
+                          <m:chr m:val="∑"/>
+                          <m:limLoc m:val="subSup"/>
+                          <m:subHide m:val="off"/>
+                          <m:supHide m:val="off"/>
+                        </m:naryPr>
+                        <m:sub>
+                          <m:r>
+                            <m:t>i</m:t>
+                          </m:r>
+                          <m:r>
+                            <m:rPr>
+                              <m:sty m:val="p"/>
+                            </m:rPr>
+                            <m:t>=</m:t>
+                          </m:r>
+                          <m:r>
+                            <m:t>1</m:t>
+                          </m:r>
+                        </m:sub>
+                        <m:sup>
+                          <m:r>
+                            <m:t>n</m:t>
+                          </m:r>
+                        </m:sup>
+                        <m:e>
+                          <m:f>
+                            <m:fPr>
+                              <m:type m:val="bar"/>
+                            </m:fPr>
+                            <m:num>
+                              <m:sSub>
+                                <m:e>
+                                  <m:r>
+                                    <m:t>D</m:t>
+                                  </m:r>
+                                </m:e>
+                                <m:sub>
+                                  <m:r>
+                                    <m:t>t</m:t>
+                                  </m:r>
+                                </m:sub>
+                              </m:sSub>
+                              <m:sSup>
+                                <m:e>
+                                  <m:d>
+                                    <m:dPr>
+                                      <m:begChr m:val="("/>
+                                      <m:sepChr m:val=""/>
+                                      <m:endChr m:val=")"/>
+                                      <m:grow/>
+                                    </m:dPr>
+                                    <m:e>
+                                      <m:r>
+                                        <m:t>1</m:t>
+                                      </m:r>
+                                      <m:r>
+                                        <m:rPr>
+                                          <m:sty m:val="p"/>
+                                        </m:rPr>
+                                        <m:t>+</m:t>
+                                      </m:r>
+                                      <m:sSub>
+                                        <m:e>
+                                          <m:r>
+                                            <m:t>g</m:t>
+                                          </m:r>
+                                        </m:e>
+                                        <m:sub>
+                                          <m:r>
+                                            <m:t>s</m:t>
+                                          </m:r>
+                                        </m:sub>
+                                      </m:sSub>
+                                    </m:e>
+                                  </m:d>
+                                </m:e>
+                                <m:sup>
+                                  <m:r>
+                                    <m:t>i</m:t>
+                                  </m:r>
+                                </m:sup>
+                              </m:sSup>
+                            </m:num>
+                            <m:den>
+                              <m:sSup>
+                                <m:e>
+                                  <m:d>
+                                    <m:dPr>
+                                      <m:begChr m:val="("/>
+                                      <m:sepChr m:val=""/>
+                                      <m:endChr m:val=")"/>
+                                      <m:grow/>
+                                    </m:dPr>
+                                    <m:e>
+                                      <m:r>
+                                        <m:t>1</m:t>
+                                      </m:r>
+                                      <m:r>
+                                        <m:rPr>
+                                          <m:sty m:val="p"/>
+                                        </m:rPr>
+                                        <m:t>+</m:t>
+                                      </m:r>
+                                      <m:r>
+                                        <m:t>r</m:t>
+                                      </m:r>
+                                    </m:e>
+                                  </m:d>
+                                </m:e>
+                                <m:sup>
+                                  <m:r>
+                                    <m:t>i</m:t>
+                                  </m:r>
+                                </m:sup>
+                              </m:sSup>
+                            </m:den>
+                          </m:f>
+                        </m:e>
+                      </m:nary>
+                      <m:r>
+                        <m:rPr>
+                          <m:sty m:val="p"/>
+                        </m:rPr>
+                        <m:t>+</m:t>
+                      </m:r>
+                      <m:nary>
+                        <m:naryPr>
+                          <m:chr m:val="∑"/>
+                          <m:limLoc m:val="subSup"/>
+                          <m:subHide m:val="off"/>
+                          <m:supHide m:val="off"/>
+                        </m:naryPr>
+                        <m:sub>
+                          <m:r>
+                            <m:t>j</m:t>
+                          </m:r>
+                          <m:r>
+                            <m:rPr>
+                              <m:sty m:val="p"/>
+                            </m:rPr>
+                            <m:t>=</m:t>
+                          </m:r>
+                          <m:r>
+                            <m:t>n</m:t>
+                          </m:r>
+                          <m:r>
+                            <m:rPr>
+                              <m:sty m:val="p"/>
+                            </m:rPr>
+                            <m:t>+</m:t>
+                          </m:r>
+                          <m:r>
+                            <m:t>1</m:t>
+                          </m:r>
+                        </m:sub>
+                        <m:sup>
+                          <m:r>
+                            <m:rPr>
+                              <m:sty m:val="p"/>
+                            </m:rPr>
+                            <m:t>∞</m:t>
+                          </m:r>
+                        </m:sup>
+                        <m:e>
+                          <m:f>
+                            <m:fPr>
+                              <m:type m:val="bar"/>
+                            </m:fPr>
+                            <m:num>
+                              <m:sSub>
+                                <m:e>
+                                  <m:r>
+                                    <m:t>D</m:t>
+                                  </m:r>
+                                </m:e>
+                                <m:sub>
+                                  <m:r>
+                                    <m:t>t</m:t>
+                                  </m:r>
+                                  <m:r>
+                                    <m:rPr>
+                                      <m:sty m:val="p"/>
+                                    </m:rPr>
+                                    <m:t>+</m:t>
+                                  </m:r>
+                                  <m:r>
+                                    <m:t>n</m:t>
+                                  </m:r>
+                                </m:sub>
+                              </m:sSub>
+                              <m:sSup>
+                                <m:e>
+                                  <m:d>
+                                    <m:dPr>
+                                      <m:begChr m:val="("/>
+                                      <m:sepChr m:val=""/>
+                                      <m:endChr m:val=")"/>
+                                      <m:grow/>
+                                    </m:dPr>
+                                    <m:e>
+                                      <m:r>
+                                        <m:t>1</m:t>
+                                      </m:r>
+                                      <m:r>
+                                        <m:rPr>
+                                          <m:sty m:val="p"/>
+                                        </m:rPr>
+                                        <m:t>+</m:t>
+                                      </m:r>
+                                      <m:sSub>
+                                        <m:e>
+                                          <m:r>
+                                            <m:t>g</m:t>
+                                          </m:r>
+                                        </m:e>
+                                        <m:sub>
+                                          <m:r>
+                                            <m:t>l</m:t>
+                                          </m:r>
+                                        </m:sub>
+                                      </m:sSub>
+                                    </m:e>
+                                  </m:d>
+                                </m:e>
+                                <m:sup>
+                                  <m:r>
+                                    <m:t>j</m:t>
+                                  </m:r>
+                                </m:sup>
+                              </m:sSup>
+                            </m:num>
+                            <m:den>
+                              <m:sSup>
+                                <m:e>
+                                  <m:d>
+                                    <m:dPr>
+                                      <m:begChr m:val="("/>
+                                      <m:sepChr m:val=""/>
+                                      <m:endChr m:val=")"/>
+                                      <m:grow/>
+                                    </m:dPr>
+                                    <m:e>
+                                      <m:r>
+                                        <m:t>1</m:t>
+                                      </m:r>
+                                      <m:r>
+                                        <m:rPr>
+                                          <m:sty m:val="p"/>
+                                        </m:rPr>
+                                        <m:t>+</m:t>
+                                      </m:r>
+                                      <m:r>
+                                        <m:t>r</m:t>
+                                      </m:r>
+                                    </m:e>
+                                  </m:d>
+                                </m:e>
+                                <m:sup>
+                                  <m:r>
+                                    <m:t>j</m:t>
+                                  </m:r>
+                                </m:sup>
+                              </m:sSup>
+                            </m:den>
+                          </m:f>
+                        </m:e>
+                      </m:nary>
+                    </m:oMath>
+                  </m:oMathPara>
+                </a14:m>
+              </a:p>
+              <a:p>
+                <a:pPr lvl="0" indent="0" marL="0">
+                  <a:buNone/>
+                </a:pPr>
+                <a:r>
+                  <a:rPr/>
+                  <a:t>(15)</a:t>
+                </a:r>
+              </a:p>
+              <a:p>
+                <a:pPr lvl="0" indent="0" marL="0">
+                  <a:buNone/>
+                </a:pPr>
+                <a:r>
+                  <a:rPr/>
+                  <a:t>Note that the second expression in Equation 15 involves constant growth starting in </a:t>
+                </a:r>
+                <a14:m>
+                  <m:oMath xmlns:m="http://schemas.openxmlformats.org/officeDocument/2006/math">
+                    <m:r>
+                      <m:t>n</m:t>
+                    </m:r>
+                  </m:oMath>
+                </a14:m>
+                <a:r>
+                  <a:rPr/>
+                  <a:t> periods, for which we can substitute the geometric series simplification:</a:t>
+                </a:r>
+              </a:p>
+              <a:p>
+                <a:pPr lvl="0" indent="0" marL="0">
+                  <a:buNone/>
+                </a:pPr>
+                <a14:m>
+                  <m:oMathPara xmlns:m="http://schemas.openxmlformats.org/officeDocument/2006/math">
+                    <m:oMathParaPr>
+                      <m:jc m:val="center"/>
+                    </m:oMathParaPr>
+                    <m:oMath>
                       <m:r>
                         <m:t>P</m:t>
                       </m:r>
@@ -3726,7 +4156,7 @@
                         </m:e>
                         <m:sub>
                           <m:r>
-                            <m:t>0</m:t>
+                            <m:t>t</m:t>
                           </m:r>
                         </m:sub>
                       </m:sSub>
@@ -3734,10 +4164,143 @@
                         <m:rPr>
                           <m:sty m:val="p"/>
                         </m:rPr>
-                        <m:t>×</m:t>
+                        <m:t>=</m:t>
                       </m:r>
-                      <m:sSup>
+                      <m:nary>
+                        <m:naryPr>
+                          <m:chr m:val="∑"/>
+                          <m:limLoc m:val="subSup"/>
+                          <m:subHide m:val="off"/>
+                          <m:supHide m:val="off"/>
+                        </m:naryPr>
+                        <m:sub>
+                          <m:r>
+                            <m:t>i</m:t>
+                          </m:r>
+                          <m:r>
+                            <m:rPr>
+                              <m:sty m:val="p"/>
+                            </m:rPr>
+                            <m:t>=</m:t>
+                          </m:r>
+                          <m:r>
+                            <m:t>1</m:t>
+                          </m:r>
+                        </m:sub>
+                        <m:sup>
+                          <m:r>
+                            <m:t>n</m:t>
+                          </m:r>
+                        </m:sup>
                         <m:e>
+                          <m:f>
+                            <m:fPr>
+                              <m:type m:val="bar"/>
+                            </m:fPr>
+                            <m:num>
+                              <m:sSub>
+                                <m:e>
+                                  <m:r>
+                                    <m:t>D</m:t>
+                                  </m:r>
+                                </m:e>
+                                <m:sub>
+                                  <m:r>
+                                    <m:t>t</m:t>
+                                  </m:r>
+                                </m:sub>
+                              </m:sSub>
+                              <m:sSup>
+                                <m:e>
+                                  <m:d>
+                                    <m:dPr>
+                                      <m:begChr m:val="("/>
+                                      <m:sepChr m:val=""/>
+                                      <m:endChr m:val=")"/>
+                                      <m:grow/>
+                                    </m:dPr>
+                                    <m:e>
+                                      <m:r>
+                                        <m:t>1</m:t>
+                                      </m:r>
+                                      <m:r>
+                                        <m:rPr>
+                                          <m:sty m:val="p"/>
+                                        </m:rPr>
+                                        <m:t>+</m:t>
+                                      </m:r>
+                                      <m:sSub>
+                                        <m:e>
+                                          <m:r>
+                                            <m:t>g</m:t>
+                                          </m:r>
+                                        </m:e>
+                                        <m:sub>
+                                          <m:r>
+                                            <m:t>s</m:t>
+                                          </m:r>
+                                        </m:sub>
+                                      </m:sSub>
+                                    </m:e>
+                                  </m:d>
+                                </m:e>
+                                <m:sup>
+                                  <m:r>
+                                    <m:t>i</m:t>
+                                  </m:r>
+                                </m:sup>
+                              </m:sSup>
+                            </m:num>
+                            <m:den>
+                              <m:sSup>
+                                <m:e>
+                                  <m:d>
+                                    <m:dPr>
+                                      <m:begChr m:val="("/>
+                                      <m:sepChr m:val=""/>
+                                      <m:endChr m:val=")"/>
+                                      <m:grow/>
+                                    </m:dPr>
+                                    <m:e>
+                                      <m:r>
+                                        <m:t>1</m:t>
+                                      </m:r>
+                                      <m:r>
+                                        <m:rPr>
+                                          <m:sty m:val="p"/>
+                                        </m:rPr>
+                                        <m:t>+</m:t>
+                                      </m:r>
+                                      <m:r>
+                                        <m:t>r</m:t>
+                                      </m:r>
+                                    </m:e>
+                                  </m:d>
+                                </m:e>
+                                <m:sup>
+                                  <m:r>
+                                    <m:t>i</m:t>
+                                  </m:r>
+                                </m:sup>
+                              </m:sSup>
+                            </m:den>
+                          </m:f>
+                        </m:e>
+                      </m:nary>
+                      <m:r>
+                        <m:rPr>
+                          <m:sty m:val="p"/>
+                        </m:rPr>
+                        <m:t>+</m:t>
+                      </m:r>
+                      <m:f>
+                        <m:fPr>
+                          <m:type m:val="bar"/>
+                        </m:fPr>
+                        <m:num>
+                          <m:r>
+                            <m:t>E</m:t>
+                          </m:r>
                           <m:d>
                             <m:dPr>
                               <m:begChr m:val="("/>
@@ -3746,134 +4309,64 @@
                               <m:grow/>
                             </m:dPr>
                             <m:e>
-                              <m:r>
-                                <m:t>1</m:t>
-                              </m:r>
-                              <m:r>
-                                <m:rPr>
-                                  <m:sty m:val="p"/>
-                                </m:rPr>
-                                <m:t>+</m:t>
-                              </m:r>
                               <m:sSub>
                                 <m:e>
                                   <m:r>
-                                    <m:t>r</m:t>
+                                    <m:t>S</m:t>
                                   </m:r>
                                 </m:e>
                                 <m:sub>
                                   <m:r>
-                                    <m:t>2</m:t>
+                                    <m:t>t</m:t>
+                                  </m:r>
+                                  <m:r>
+                                    <m:rPr>
+                                      <m:sty m:val="p"/>
+                                    </m:rPr>
+                                    <m:t>+</m:t>
+                                  </m:r>
+                                  <m:r>
+                                    <m:t>n</m:t>
                                   </m:r>
                                 </m:sub>
                               </m:sSub>
                             </m:e>
                           </m:d>
-                        </m:e>
-                        <m:sup>
-                          <m:r>
-                            <m:t>2</m:t>
-                          </m:r>
-                        </m:sup>
-                      </m:sSup>
-                      <m:r>
-                        <m:rPr>
-                          <m:sty m:val="p"/>
-                        </m:rPr>
-                        <m:t>=</m:t>
-                      </m:r>
-                      <m:r>
-                        <m:t>P</m:t>
-                      </m:r>
-                      <m:sSub>
-                        <m:e>
-                          <m:r>
-                            <m:t>V</m:t>
-                          </m:r>
-                        </m:e>
-                        <m:sub>
-                          <m:r>
-                            <m:t>0</m:t>
-                          </m:r>
-                        </m:sub>
-                      </m:sSub>
-                      <m:r>
-                        <m:rPr>
-                          <m:sty m:val="p"/>
-                        </m:rPr>
-                        <m:t>×</m:t>
-                      </m:r>
-                      <m:d>
-                        <m:dPr>
-                          <m:begChr m:val="("/>
-                          <m:sepChr m:val=""/>
-                          <m:endChr m:val=")"/>
-                          <m:grow/>
-                        </m:dPr>
-                        <m:e>
-                          <m:r>
-                            <m:t>1</m:t>
-                          </m:r>
-                          <m:r>
-                            <m:rPr>
-                              <m:sty m:val="p"/>
-                            </m:rPr>
-                            <m:t>+</m:t>
-                          </m:r>
-                          <m:sSub>
+                        </m:num>
+                        <m:den>
+                          <m:sSup>
                             <m:e>
+                              <m:d>
+                                <m:dPr>
+                                  <m:begChr m:val="("/>
+                                  <m:sepChr m:val=""/>
+                                  <m:endChr m:val=")"/>
+                                  <m:grow/>
+                                </m:dPr>
+                                <m:e>
+                                  <m:r>
+                                    <m:t>1</m:t>
+                                  </m:r>
+                                  <m:r>
+                                    <m:rPr>
+                                      <m:sty m:val="p"/>
+                                    </m:rPr>
+                                    <m:t>+</m:t>
+                                  </m:r>
+                                  <m:r>
+                                    <m:t>r</m:t>
+                                  </m:r>
+                                </m:e>
+                              </m:d>
+                            </m:e>
+                            <m:sup>
                               <m:r>
-                                <m:t>r</m:t>
+                                <m:t>n</m:t>
                               </m:r>
-                            </m:e>
-                            <m:sub>
-                              <m:r>
-                                <m:t>1</m:t>
-                              </m:r>
-                            </m:sub>
-                          </m:sSub>
-                        </m:e>
-                      </m:d>
-                      <m:d>
-                        <m:dPr>
-                          <m:begChr m:val="("/>
-                          <m:sepChr m:val=""/>
-                          <m:endChr m:val=")"/>
-                          <m:grow/>
-                        </m:dPr>
-                        <m:e>
-                          <m:r>
-                            <m:t>1</m:t>
-                          </m:r>
-                          <m:r>
-                            <m:rPr>
-                              <m:sty m:val="p"/>
-                            </m:rPr>
-                            <m:t>+</m:t>
-                          </m:r>
-                          <m:sSub>
-                            <m:e>
-                              <m:r>
-                                <m:t>F</m:t>
-                              </m:r>
-                            </m:e>
-                            <m:sub>
-                              <m:r>
-                                <m:t>1</m:t>
-                              </m:r>
-                              <m:r>
-                                <m:rPr>
-                                  <m:sty m:val="p"/>
-                                </m:rPr>
-                                <m:t>,</m:t>
-                              </m:r>
-                              <m:r>
-                                <m:t>1</m:t>
-                              </m:r>
-                            </m:sub>
-                          </m:sSub>
-                        </m:e>
-                      </m:d>
+                            </m:sup>
+                          </m:sSup>
+                        </m:den>
+                      </m:f>
                     </m:oMath>
                   </m:oMathPara>
                 </a14:m>
@@ -3884,7 +4377,187 @@
                 </a:pPr>
                 <a:r>
                   <a:rPr/>
-                  <a:t>(25)</a:t>
+                  <a:t>(16)</a:t>
+                </a:r>
+              </a:p>
+              <a:p>
+                <a:pPr lvl="0" indent="0" marL="0">
+                  <a:buNone/>
+                </a:pPr>
+                <a:r>
+                  <a:rPr/>
+                  <a:t>where the stock value of the stock in n periods </a:t>
+                </a:r>
+                <a14:m>
+                  <m:oMath xmlns:m="http://schemas.openxmlformats.org/officeDocument/2006/math">
+                    <m:r>
+                      <m:rPr>
+                        <m:sty m:val="p"/>
+                      </m:rPr>
+                      <m:t>(</m:t>
+                    </m:r>
+                    <m:r>
+                      <m:t>E</m:t>
+                    </m:r>
+                    <m:d>
+                      <m:dPr>
+                        <m:begChr m:val="("/>
+                        <m:sepChr m:val=""/>
+                        <m:endChr m:val=")"/>
+                        <m:grow/>
+                      </m:dPr>
+                      <m:e>
+                        <m:sSub>
+                          <m:e>
+                            <m:r>
+                              <m:t>S</m:t>
+                            </m:r>
+                          </m:e>
+                          <m:sub>
+                            <m:r>
+                              <m:t>t</m:t>
+                            </m:r>
+                            <m:r>
+                              <m:rPr>
+                                <m:sty m:val="p"/>
+                              </m:rPr>
+                              <m:t>+</m:t>
+                            </m:r>
+                            <m:r>
+                              <m:t>n</m:t>
+                            </m:r>
+                          </m:sub>
+                        </m:sSub>
+                      </m:e>
+                    </m:d>
+                  </m:oMath>
+                </a14:m>
+                <a:r>
+                  <a:rPr/>
+                  <a:t> is referred to as the terminal value) and is equal to the following:</a:t>
+                </a:r>
+              </a:p>
+              <a:p>
+                <a:pPr lvl="0" indent="0" marL="0">
+                  <a:buNone/>
+                </a:pPr>
+                <a14:m>
+                  <m:oMathPara xmlns:m="http://schemas.openxmlformats.org/officeDocument/2006/math">
+                    <m:oMathParaPr>
+                      <m:jc m:val="center"/>
+                    </m:oMathParaPr>
+                    <m:oMath>
+                      <m:r>
+                        <m:t>E</m:t>
+                      </m:r>
+                      <m:d>
+                        <m:dPr>
+                          <m:begChr m:val="("/>
+                          <m:sepChr m:val=""/>
+                          <m:endChr m:val=")"/>
+                          <m:grow/>
+                        </m:dPr>
+                        <m:e>
+                          <m:sSub>
+                            <m:e>
+                              <m:r>
+                                <m:t>S</m:t>
+                              </m:r>
+                            </m:e>
+                            <m:sub>
+                              <m:r>
+                                <m:t>t</m:t>
+                              </m:r>
+                              <m:r>
+                                <m:rPr>
+                                  <m:sty m:val="p"/>
+                                </m:rPr>
+                                <m:t>+</m:t>
+                              </m:r>
+                              <m:r>
+                                <m:t>n</m:t>
+                              </m:r>
+                            </m:sub>
+                          </m:sSub>
+                        </m:e>
+                      </m:d>
+                      <m:r>
+                        <m:rPr>
+                          <m:sty m:val="p"/>
+                        </m:rPr>
+                        <m:t>=</m:t>
+                      </m:r>
+                      <m:f>
+                        <m:fPr>
+                          <m:type m:val="bar"/>
+                        </m:fPr>
+                        <m:num>
+                          <m:sSub>
+                            <m:e>
+                              <m:r>
+                                <m:t>D</m:t>
+                              </m:r>
+                            </m:e>
+                            <m:sub>
+                              <m:r>
+                                <m:t>t</m:t>
+                              </m:r>
+                              <m:r>
+                                <m:rPr>
+                                  <m:sty m:val="p"/>
+                                </m:rPr>
+                                <m:t>+</m:t>
+                              </m:r>
+                              <m:r>
+                                <m:t>n</m:t>
+                              </m:r>
+                              <m:r>
+                                <m:rPr>
+                                  <m:sty m:val="p"/>
+                                </m:rPr>
+                                <m:t>+</m:t>
+                              </m:r>
+                              <m:r>
+                                <m:t>1</m:t>
+                              </m:r>
+                            </m:sub>
+                          </m:sSub>
+                        </m:num>
+                        <m:den>
+                          <m:r>
+                            <m:t>r</m:t>
+                          </m:r>
+                          <m:r>
+                            <m:rPr>
+                              <m:sty m:val="p"/>
+                            </m:rPr>
+                            <m:t>−</m:t>
+                          </m:r>
+                          <m:sSub>
+                            <m:e>
+                              <m:r>
+                                <m:t>g</m:t>
+                              </m:r>
+                            </m:e>
+                            <m:sub>
+                              <m:r>
+                                <m:t>l</m:t>
+                              </m:r>
+                            </m:sub>
+                          </m:sSub>
+                        </m:den>
+                      </m:f>
+                    </m:oMath>
+                  </m:oMathPara>
+                </a14:m>
+              </a:p>
+              <a:p>
+                <a:pPr lvl="0" indent="0" marL="0">
+                  <a:buNone/>
+                </a:pPr>
+                <a:r>
+                  <a:rPr/>
+                  <a:t>(17)</a:t>
                 </a:r>
               </a:p>
             </p:txBody>
